--- a/teaching/f15_cpsc217/Week_1_2.pptx
+++ b/teaching/f15_cpsc217/Week_1_2.pptx
@@ -1123,7 +1123,7 @@
             <a:fld id="{541191D7-EAA8-4D00-8B90-2FC6F2F34491}" type="slidenum">
               <a:rPr lang="en-US"/>
               <a:pPr/>
-              <a:t>‹#›</a:t>
+              <a:t>4</a:t>
             </a:fld>
             <a:endParaRPr lang="en-US"/>
           </a:p>
@@ -1208,7 +1208,7 @@
             <a:fld id="{541191D7-EAA8-4D00-8B90-2FC6F2F34491}" type="slidenum">
               <a:rPr lang="en-US"/>
               <a:pPr/>
-              <a:t>‹#›</a:t>
+              <a:t>5</a:t>
             </a:fld>
             <a:endParaRPr lang="en-US"/>
           </a:p>
@@ -1293,7 +1293,7 @@
             <a:fld id="{541191D7-EAA8-4D00-8B90-2FC6F2F34491}" type="slidenum">
               <a:rPr lang="en-US"/>
               <a:pPr/>
-              <a:t>‹#›</a:t>
+              <a:t>6</a:t>
             </a:fld>
             <a:endParaRPr lang="en-US"/>
           </a:p>
@@ -5061,7 +5061,6 @@
               <a:rPr lang="en-US" dirty="0"/>
               <a:t>Comments do not influence your code in anyway. For instance, if you put this comment anywhere in your code:</a:t>
             </a:r>
-            <a:endParaRPr lang="en-US" dirty="0"/>
           </a:p>
           <a:p>
             <a:pPr marL="400050" lvl="1" indent="0">
@@ -6158,7 +6157,7 @@
           </a:p>
           <a:p>
             <a:r>
-              <a:rPr lang="en-CA" dirty="0" smtClean="0">
+              <a:rPr lang="en-CA" strike="sngStrike" dirty="0" smtClean="0">
                 <a:solidFill>
                   <a:srgbClr val="FF0000"/>
                 </a:solidFill>
